--- a/헬스케어_스마트폰이미지분석을통한처방전분석/헬스케어_스마트폰이미지분석을통한처방전분석.pptx
+++ b/헬스케어_스마트폰이미지분석을통한처방전분석/헬스케어_스마트폰이미지분석을통한처방전분석.pptx
@@ -27,12 +27,12 @@
   <p:notesSz cx="6858000" cy="9144000"/>
   <p:embeddedFontLst>
     <p:embeddedFont>
-      <p:font typeface="포천 오성과 한음 Bold" panose="020B0803000000000000" pitchFamily="50" charset="-127"/>
-      <p:bold r:id="rId17"/>
+      <p:font typeface="맑은 고딕" panose="020B0503020000020004" pitchFamily="50" charset="-127"/>
+      <p:regular r:id="rId17"/>
+      <p:bold r:id="rId18"/>
     </p:embeddedFont>
     <p:embeddedFont>
-      <p:font typeface="맑은 고딕" panose="020B0503020000020004" pitchFamily="50" charset="-127"/>
-      <p:regular r:id="rId18"/>
+      <p:font typeface="포천 오성과 한음 Bold" panose="020B0803000000000000" pitchFamily="50" charset="-127"/>
       <p:bold r:id="rId19"/>
     </p:embeddedFont>
     <p:embeddedFont>
@@ -706,9 +706,7 @@
               <c:showPercent val="1"/>
               <c:showBubbleSize val="0"/>
               <c:extLst>
-                <c:ext xmlns:c15="http://schemas.microsoft.com/office/drawing/2012/chart" uri="{CE6537A1-D6FC-4f65-9D91-7224C49458BB}">
-                  <c15:layout/>
-                </c:ext>
+                <c:ext xmlns:c15="http://schemas.microsoft.com/office/drawing/2012/chart" uri="{CE6537A1-D6FC-4f65-9D91-7224C49458BB}"/>
                 <c:ext xmlns:c16="http://schemas.microsoft.com/office/drawing/2014/chart" uri="{C3380CC4-5D6E-409C-BE32-E72D297353CC}">
                   <c16:uniqueId val="{00000003-36D6-4E64-AFE8-B10AF8F6AA02}"/>
                 </c:ext>
@@ -756,9 +754,7 @@
               <c:showPercent val="1"/>
               <c:showBubbleSize val="0"/>
               <c:extLst>
-                <c:ext xmlns:c15="http://schemas.microsoft.com/office/drawing/2012/chart" uri="{CE6537A1-D6FC-4f65-9D91-7224C49458BB}">
-                  <c15:layout/>
-                </c:ext>
+                <c:ext xmlns:c15="http://schemas.microsoft.com/office/drawing/2012/chart" uri="{CE6537A1-D6FC-4f65-9D91-7224C49458BB}"/>
                 <c:ext xmlns:c16="http://schemas.microsoft.com/office/drawing/2014/chart" uri="{C3380CC4-5D6E-409C-BE32-E72D297353CC}">
                   <c16:uniqueId val="{00000005-36D6-4E64-AFE8-B10AF8F6AA02}"/>
                 </c:ext>
@@ -861,9 +857,7 @@
               <c:showPercent val="1"/>
               <c:showBubbleSize val="0"/>
               <c:extLst>
-                <c:ext xmlns:c15="http://schemas.microsoft.com/office/drawing/2012/chart" uri="{CE6537A1-D6FC-4f65-9D91-7224C49458BB}">
-                  <c15:layout/>
-                </c:ext>
+                <c:ext xmlns:c15="http://schemas.microsoft.com/office/drawing/2012/chart" uri="{CE6537A1-D6FC-4f65-9D91-7224C49458BB}"/>
                 <c:ext xmlns:c16="http://schemas.microsoft.com/office/drawing/2014/chart" uri="{C3380CC4-5D6E-409C-BE32-E72D297353CC}">
                   <c16:uniqueId val="{00000009-36D6-4E64-AFE8-B10AF8F6AA02}"/>
                 </c:ext>
@@ -911,9 +905,7 @@
               <c:showPercent val="1"/>
               <c:showBubbleSize val="0"/>
               <c:extLst>
-                <c:ext xmlns:c15="http://schemas.microsoft.com/office/drawing/2012/chart" uri="{CE6537A1-D6FC-4f65-9D91-7224C49458BB}">
-                  <c15:layout/>
-                </c:ext>
+                <c:ext xmlns:c15="http://schemas.microsoft.com/office/drawing/2012/chart" uri="{CE6537A1-D6FC-4f65-9D91-7224C49458BB}"/>
                 <c:ext xmlns:c16="http://schemas.microsoft.com/office/drawing/2014/chart" uri="{C3380CC4-5D6E-409C-BE32-E72D297353CC}">
                   <c16:uniqueId val="{0000000B-36D6-4E64-AFE8-B10AF8F6AA02}"/>
                 </c:ext>
@@ -923,9 +915,7 @@
               <c:idx val="6"/>
               <c:delete val="1"/>
               <c:extLst>
-                <c:ext xmlns:c15="http://schemas.microsoft.com/office/drawing/2012/chart" uri="{CE6537A1-D6FC-4f65-9D91-7224C49458BB}">
-                  <c15:layout/>
-                </c:ext>
+                <c:ext xmlns:c15="http://schemas.microsoft.com/office/drawing/2012/chart" uri="{CE6537A1-D6FC-4f65-9D91-7224C49458BB}"/>
                 <c:ext xmlns:c16="http://schemas.microsoft.com/office/drawing/2014/chart" uri="{C3380CC4-5D6E-409C-BE32-E72D297353CC}">
                   <c16:uniqueId val="{0000000D-36D6-4E64-AFE8-B10AF8F6AA02}"/>
                 </c:ext>
@@ -935,9 +925,7 @@
               <c:idx val="7"/>
               <c:delete val="1"/>
               <c:extLst>
-                <c:ext xmlns:c15="http://schemas.microsoft.com/office/drawing/2012/chart" uri="{CE6537A1-D6FC-4f65-9D91-7224C49458BB}">
-                  <c15:layout/>
-                </c:ext>
+                <c:ext xmlns:c15="http://schemas.microsoft.com/office/drawing/2012/chart" uri="{CE6537A1-D6FC-4f65-9D91-7224C49458BB}"/>
                 <c:ext xmlns:c16="http://schemas.microsoft.com/office/drawing/2014/chart" uri="{C3380CC4-5D6E-409C-BE32-E72D297353CC}">
                   <c16:uniqueId val="{0000000F-36D6-4E64-AFE8-B10AF8F6AA02}"/>
                 </c:ext>
@@ -2245,9 +2233,7 @@
               <c:showPercent val="1"/>
               <c:showBubbleSize val="0"/>
               <c:extLst>
-                <c:ext xmlns:c15="http://schemas.microsoft.com/office/drawing/2012/chart" uri="{CE6537A1-D6FC-4f65-9D91-7224C49458BB}">
-                  <c15:layout/>
-                </c:ext>
+                <c:ext xmlns:c15="http://schemas.microsoft.com/office/drawing/2012/chart" uri="{CE6537A1-D6FC-4f65-9D91-7224C49458BB}"/>
                 <c:ext xmlns:c16="http://schemas.microsoft.com/office/drawing/2014/chart" uri="{C3380CC4-5D6E-409C-BE32-E72D297353CC}">
                   <c16:uniqueId val="{00000003-1DE5-4171-AE32-4923B76EA791}"/>
                 </c:ext>
@@ -2339,9 +2325,7 @@
               <c:idx val="4"/>
               <c:delete val="1"/>
               <c:extLst>
-                <c:ext xmlns:c15="http://schemas.microsoft.com/office/drawing/2012/chart" uri="{CE6537A1-D6FC-4f65-9D91-7224C49458BB}">
-                  <c15:layout/>
-                </c:ext>
+                <c:ext xmlns:c15="http://schemas.microsoft.com/office/drawing/2012/chart" uri="{CE6537A1-D6FC-4f65-9D91-7224C49458BB}"/>
                 <c:ext xmlns:c16="http://schemas.microsoft.com/office/drawing/2014/chart" uri="{C3380CC4-5D6E-409C-BE32-E72D297353CC}">
                   <c16:uniqueId val="{00000009-1DE5-4171-AE32-4923B76EA791}"/>
                 </c:ext>
@@ -2351,9 +2335,7 @@
               <c:idx val="5"/>
               <c:delete val="1"/>
               <c:extLst>
-                <c:ext xmlns:c15="http://schemas.microsoft.com/office/drawing/2012/chart" uri="{CE6537A1-D6FC-4f65-9D91-7224C49458BB}">
-                  <c15:layout/>
-                </c:ext>
+                <c:ext xmlns:c15="http://schemas.microsoft.com/office/drawing/2012/chart" uri="{CE6537A1-D6FC-4f65-9D91-7224C49458BB}"/>
                 <c:ext xmlns:c16="http://schemas.microsoft.com/office/drawing/2014/chart" uri="{C3380CC4-5D6E-409C-BE32-E72D297353CC}">
                   <c16:uniqueId val="{0000000B-1DE5-4171-AE32-4923B76EA791}"/>
                 </c:ext>
@@ -3699,7 +3681,7 @@
           <a:p>
             <a:fld id="{19ECA1D9-0827-45DB-8D6C-594B53CEB15B}" type="datetimeFigureOut">
               <a:rPr lang="ko-KR" altLang="en-US" smtClean="0"/>
-              <a:t>2023-05-16</a:t>
+              <a:t>2023-05-28</a:t>
             </a:fld>
             <a:endParaRPr lang="ko-KR" altLang="en-US"/>
           </a:p>
@@ -5121,7 +5103,7 @@
           <a:p>
             <a:fld id="{26C4ED00-B049-48CD-AFA4-858541E38B0D}" type="datetimeFigureOut">
               <a:rPr lang="ko-KR" altLang="en-US" smtClean="0"/>
-              <a:t>2023-05-16</a:t>
+              <a:t>2023-05-28</a:t>
             </a:fld>
             <a:endParaRPr lang="ko-KR" altLang="en-US"/>
           </a:p>
@@ -5319,7 +5301,7 @@
           <a:p>
             <a:fld id="{26C4ED00-B049-48CD-AFA4-858541E38B0D}" type="datetimeFigureOut">
               <a:rPr lang="ko-KR" altLang="en-US" smtClean="0"/>
-              <a:t>2023-05-16</a:t>
+              <a:t>2023-05-28</a:t>
             </a:fld>
             <a:endParaRPr lang="ko-KR" altLang="en-US"/>
           </a:p>
@@ -5527,7 +5509,7 @@
           <a:p>
             <a:fld id="{26C4ED00-B049-48CD-AFA4-858541E38B0D}" type="datetimeFigureOut">
               <a:rPr lang="ko-KR" altLang="en-US" smtClean="0"/>
-              <a:t>2023-05-16</a:t>
+              <a:t>2023-05-28</a:t>
             </a:fld>
             <a:endParaRPr lang="ko-KR" altLang="en-US"/>
           </a:p>
@@ -5725,7 +5707,7 @@
           <a:p>
             <a:fld id="{26C4ED00-B049-48CD-AFA4-858541E38B0D}" type="datetimeFigureOut">
               <a:rPr lang="ko-KR" altLang="en-US" smtClean="0"/>
-              <a:t>2023-05-16</a:t>
+              <a:t>2023-05-28</a:t>
             </a:fld>
             <a:endParaRPr lang="ko-KR" altLang="en-US"/>
           </a:p>
@@ -6000,7 +5982,7 @@
           <a:p>
             <a:fld id="{26C4ED00-B049-48CD-AFA4-858541E38B0D}" type="datetimeFigureOut">
               <a:rPr lang="ko-KR" altLang="en-US" smtClean="0"/>
-              <a:t>2023-05-16</a:t>
+              <a:t>2023-05-28</a:t>
             </a:fld>
             <a:endParaRPr lang="ko-KR" altLang="en-US"/>
           </a:p>
@@ -6265,7 +6247,7 @@
           <a:p>
             <a:fld id="{26C4ED00-B049-48CD-AFA4-858541E38B0D}" type="datetimeFigureOut">
               <a:rPr lang="ko-KR" altLang="en-US" smtClean="0"/>
-              <a:t>2023-05-16</a:t>
+              <a:t>2023-05-28</a:t>
             </a:fld>
             <a:endParaRPr lang="ko-KR" altLang="en-US"/>
           </a:p>
@@ -6677,7 +6659,7 @@
           <a:p>
             <a:fld id="{26C4ED00-B049-48CD-AFA4-858541E38B0D}" type="datetimeFigureOut">
               <a:rPr lang="ko-KR" altLang="en-US" smtClean="0"/>
-              <a:t>2023-05-16</a:t>
+              <a:t>2023-05-28</a:t>
             </a:fld>
             <a:endParaRPr lang="ko-KR" altLang="en-US"/>
           </a:p>
@@ -6818,7 +6800,7 @@
           <a:p>
             <a:fld id="{26C4ED00-B049-48CD-AFA4-858541E38B0D}" type="datetimeFigureOut">
               <a:rPr lang="ko-KR" altLang="en-US" smtClean="0"/>
-              <a:t>2023-05-16</a:t>
+              <a:t>2023-05-28</a:t>
             </a:fld>
             <a:endParaRPr lang="ko-KR" altLang="en-US"/>
           </a:p>
@@ -6931,7 +6913,7 @@
           <a:p>
             <a:fld id="{26C4ED00-B049-48CD-AFA4-858541E38B0D}" type="datetimeFigureOut">
               <a:rPr lang="ko-KR" altLang="en-US" smtClean="0"/>
-              <a:t>2023-05-16</a:t>
+              <a:t>2023-05-28</a:t>
             </a:fld>
             <a:endParaRPr lang="ko-KR" altLang="en-US"/>
           </a:p>
@@ -7242,7 +7224,7 @@
           <a:p>
             <a:fld id="{26C4ED00-B049-48CD-AFA4-858541E38B0D}" type="datetimeFigureOut">
               <a:rPr lang="ko-KR" altLang="en-US" smtClean="0"/>
-              <a:t>2023-05-16</a:t>
+              <a:t>2023-05-28</a:t>
             </a:fld>
             <a:endParaRPr lang="ko-KR" altLang="en-US"/>
           </a:p>
@@ -7530,7 +7512,7 @@
           <a:p>
             <a:fld id="{26C4ED00-B049-48CD-AFA4-858541E38B0D}" type="datetimeFigureOut">
               <a:rPr lang="ko-KR" altLang="en-US" smtClean="0"/>
-              <a:t>2023-05-16</a:t>
+              <a:t>2023-05-28</a:t>
             </a:fld>
             <a:endParaRPr lang="ko-KR" altLang="en-US"/>
           </a:p>
@@ -7771,7 +7753,7 @@
           <a:p>
             <a:fld id="{26C4ED00-B049-48CD-AFA4-858541E38B0D}" type="datetimeFigureOut">
               <a:rPr lang="ko-KR" altLang="en-US" smtClean="0"/>
-              <a:t>2023-05-16</a:t>
+              <a:t>2023-05-28</a:t>
             </a:fld>
             <a:endParaRPr lang="ko-KR" altLang="en-US"/>
           </a:p>
